--- a/examples/correlation_analysis.pptx
+++ b/examples/correlation_analysis.pptx
@@ -5,7 +5,7 @@
     <p:sldMasterId id="2147483648" r:id="rId1"/>
   </p:sldMasterIdLst>
   <p:notesMasterIdLst>
-    <p:notesMasterId r:id="rId15"/>
+    <p:notesMasterId r:id="rId16"/>
   </p:notesMasterIdLst>
   <p:sldIdLst>
     <p:sldId id="308" r:id="rId2"/>
@@ -21,6 +21,7 @@
     <p:sldId id="321" r:id="rId12"/>
     <p:sldId id="323" r:id="rId13"/>
     <p:sldId id="322" r:id="rId14"/>
+    <p:sldId id="324" r:id="rId15"/>
   </p:sldIdLst>
   <p:sldSz cx="12192000" cy="6858000"/>
   <p:notesSz cx="6858000" cy="9144000"/>
@@ -221,7 +222,7 @@
           <a:p>
             <a:fld id="{EB548283-8763-2843-BB37-9D09584F84F8}" type="datetimeFigureOut">
               <a:rPr kumimoji="1" lang="zh-CN" altLang="en-US" smtClean="0"/>
-              <a:t>2024/4/15</a:t>
+              <a:t>2024/4/16</a:t>
             </a:fld>
             <a:endParaRPr kumimoji="1" lang="zh-CN" altLang="en-US"/>
           </a:p>
@@ -635,7 +636,7 @@
           <a:p>
             <a:fld id="{CC018684-B44C-4376-8B29-BCE50C4ADFFC}" type="datetimeFigureOut">
               <a:rPr lang="zh-CN" altLang="en-US" smtClean="0"/>
-              <a:t>2024/4/15</a:t>
+              <a:t>2024/4/16</a:t>
             </a:fld>
             <a:endParaRPr lang="zh-CN" altLang="en-US"/>
           </a:p>
@@ -833,7 +834,7 @@
           <a:p>
             <a:fld id="{CC018684-B44C-4376-8B29-BCE50C4ADFFC}" type="datetimeFigureOut">
               <a:rPr lang="zh-CN" altLang="en-US" smtClean="0"/>
-              <a:t>2024/4/15</a:t>
+              <a:t>2024/4/16</a:t>
             </a:fld>
             <a:endParaRPr lang="zh-CN" altLang="en-US"/>
           </a:p>
@@ -1041,7 +1042,7 @@
           <a:p>
             <a:fld id="{CC018684-B44C-4376-8B29-BCE50C4ADFFC}" type="datetimeFigureOut">
               <a:rPr lang="zh-CN" altLang="en-US" smtClean="0"/>
-              <a:t>2024/4/15</a:t>
+              <a:t>2024/4/16</a:t>
             </a:fld>
             <a:endParaRPr lang="zh-CN" altLang="en-US"/>
           </a:p>
@@ -1239,7 +1240,7 @@
           <a:p>
             <a:fld id="{CC018684-B44C-4376-8B29-BCE50C4ADFFC}" type="datetimeFigureOut">
               <a:rPr lang="zh-CN" altLang="en-US" smtClean="0"/>
-              <a:t>2024/4/15</a:t>
+              <a:t>2024/4/16</a:t>
             </a:fld>
             <a:endParaRPr lang="zh-CN" altLang="en-US"/>
           </a:p>
@@ -1514,7 +1515,7 @@
           <a:p>
             <a:fld id="{CC018684-B44C-4376-8B29-BCE50C4ADFFC}" type="datetimeFigureOut">
               <a:rPr lang="zh-CN" altLang="en-US" smtClean="0"/>
-              <a:t>2024/4/15</a:t>
+              <a:t>2024/4/16</a:t>
             </a:fld>
             <a:endParaRPr lang="zh-CN" altLang="en-US"/>
           </a:p>
@@ -1779,7 +1780,7 @@
           <a:p>
             <a:fld id="{CC018684-B44C-4376-8B29-BCE50C4ADFFC}" type="datetimeFigureOut">
               <a:rPr lang="zh-CN" altLang="en-US" smtClean="0"/>
-              <a:t>2024/4/15</a:t>
+              <a:t>2024/4/16</a:t>
             </a:fld>
             <a:endParaRPr lang="zh-CN" altLang="en-US"/>
           </a:p>
@@ -2191,7 +2192,7 @@
           <a:p>
             <a:fld id="{CC018684-B44C-4376-8B29-BCE50C4ADFFC}" type="datetimeFigureOut">
               <a:rPr lang="zh-CN" altLang="en-US" smtClean="0"/>
-              <a:t>2024/4/15</a:t>
+              <a:t>2024/4/16</a:t>
             </a:fld>
             <a:endParaRPr lang="zh-CN" altLang="en-US"/>
           </a:p>
@@ -2332,7 +2333,7 @@
           <a:p>
             <a:fld id="{CC018684-B44C-4376-8B29-BCE50C4ADFFC}" type="datetimeFigureOut">
               <a:rPr lang="zh-CN" altLang="en-US" smtClean="0"/>
-              <a:t>2024/4/15</a:t>
+              <a:t>2024/4/16</a:t>
             </a:fld>
             <a:endParaRPr lang="zh-CN" altLang="en-US"/>
           </a:p>
@@ -2445,7 +2446,7 @@
           <a:p>
             <a:fld id="{CC018684-B44C-4376-8B29-BCE50C4ADFFC}" type="datetimeFigureOut">
               <a:rPr lang="zh-CN" altLang="en-US" smtClean="0"/>
-              <a:t>2024/4/15</a:t>
+              <a:t>2024/4/16</a:t>
             </a:fld>
             <a:endParaRPr lang="zh-CN" altLang="en-US"/>
           </a:p>
@@ -2756,7 +2757,7 @@
           <a:p>
             <a:fld id="{CC018684-B44C-4376-8B29-BCE50C4ADFFC}" type="datetimeFigureOut">
               <a:rPr lang="zh-CN" altLang="en-US" smtClean="0"/>
-              <a:t>2024/4/15</a:t>
+              <a:t>2024/4/16</a:t>
             </a:fld>
             <a:endParaRPr lang="zh-CN" altLang="en-US"/>
           </a:p>
@@ -3044,7 +3045,7 @@
           <a:p>
             <a:fld id="{CC018684-B44C-4376-8B29-BCE50C4ADFFC}" type="datetimeFigureOut">
               <a:rPr lang="zh-CN" altLang="en-US" smtClean="0"/>
-              <a:t>2024/4/15</a:t>
+              <a:t>2024/4/16</a:t>
             </a:fld>
             <a:endParaRPr lang="zh-CN" altLang="en-US"/>
           </a:p>
@@ -3285,7 +3286,7 @@
           <a:p>
             <a:fld id="{CC018684-B44C-4376-8B29-BCE50C4ADFFC}" type="datetimeFigureOut">
               <a:rPr lang="zh-CN" altLang="en-US" smtClean="0"/>
-              <a:t>2024/4/15</a:t>
+              <a:t>2024/4/16</a:t>
             </a:fld>
             <a:endParaRPr lang="zh-CN" altLang="en-US"/>
           </a:p>
@@ -4163,8 +4164,8 @@
           </a:p>
         </p:txBody>
       </p:sp>
-      <mc:AlternateContent xmlns:mc="http://schemas.openxmlformats.org/markup-compatibility/2006">
-        <mc:Choice xmlns:a14="http://schemas.microsoft.com/office/drawing/2010/main" Requires="a14">
+      <mc:AlternateContent xmlns:mc="http://schemas.openxmlformats.org/markup-compatibility/2006" xmlns:a14="http://schemas.microsoft.com/office/drawing/2010/main">
+        <mc:Choice Requires="a14">
           <p:sp>
             <p:nvSpPr>
               <p:cNvPr id="17" name="文本框 16">
@@ -4193,6 +4194,7 @@
               </a:bodyPr>
               <a:lstStyle/>
               <a:p>
+                <a:pPr/>
                 <a14:m>
                   <m:oMathPara xmlns:m="http://schemas.openxmlformats.org/officeDocument/2006/math">
                     <m:oMathParaPr>
@@ -4840,6 +4842,7 @@
                 <a:endParaRPr lang="en-US" altLang="zh-CN" dirty="0"/>
               </a:p>
               <a:p>
+                <a:pPr/>
                 <a14:m>
                   <m:oMathPara xmlns:m="http://schemas.openxmlformats.org/officeDocument/2006/math">
                     <m:oMathParaPr>
@@ -4861,6 +4864,7 @@
                 <a:endParaRPr lang="en-US" altLang="zh-CN" dirty="0"/>
               </a:p>
               <a:p>
+                <a:pPr/>
                 <a14:m>
                   <m:oMathPara xmlns:m="http://schemas.openxmlformats.org/officeDocument/2006/math">
                     <m:oMathParaPr>
@@ -4925,13 +4929,7 @@
                             <a:rPr lang="en-US" altLang="zh-CN" b="0" i="1" smtClean="0">
                               <a:latin typeface="Cambria Math" panose="02040503050406030204" pitchFamily="18" charset="0"/>
                             </a:rPr>
-                            <m:t>0</m:t>
-                          </m:r>
-                          <m:r>
-                            <a:rPr lang="en-US" altLang="zh-CN" b="0" i="1" smtClean="0">
-                              <a:latin typeface="Cambria Math" panose="02040503050406030204" pitchFamily="18" charset="0"/>
-                            </a:rPr>
-                            <m:t>1</m:t>
+                            <m:t>01</m:t>
                           </m:r>
                         </m:sub>
                       </m:sSub>
@@ -5157,6 +5155,7 @@
                 <a:endParaRPr lang="en-US" altLang="zh-CN" dirty="0"/>
               </a:p>
               <a:p>
+                <a:pPr/>
                 <a14:m>
                   <m:oMathPara xmlns:m="http://schemas.openxmlformats.org/officeDocument/2006/math">
                     <m:oMathParaPr>
@@ -5180,7 +5179,7 @@
             </p:txBody>
           </p:sp>
         </mc:Choice>
-        <mc:Fallback>
+        <mc:Fallback xmlns="">
           <p:sp>
             <p:nvSpPr>
               <p:cNvPr id="17" name="文本框 16">
@@ -5225,8 +5224,8 @@
           </p:sp>
         </mc:Fallback>
       </mc:AlternateContent>
-      <mc:AlternateContent xmlns:mc="http://schemas.openxmlformats.org/markup-compatibility/2006">
-        <mc:Choice xmlns:a14="http://schemas.microsoft.com/office/drawing/2010/main" Requires="a14">
+      <mc:AlternateContent xmlns:mc="http://schemas.openxmlformats.org/markup-compatibility/2006" xmlns:a14="http://schemas.microsoft.com/office/drawing/2010/main">
+        <mc:Choice Requires="a14">
           <p:sp>
             <p:nvSpPr>
               <p:cNvPr id="19" name="文本框 18">
@@ -5410,7 +5409,7 @@
             </p:txBody>
           </p:sp>
         </mc:Choice>
-        <mc:Fallback>
+        <mc:Fallback xmlns="">
           <p:sp>
             <p:nvSpPr>
               <p:cNvPr id="19" name="文本框 18">
@@ -6114,6 +6113,265 @@
 </p:sld>
 </file>
 
+<file path=ppt/slides/slide14.xml><?xml version="1.0" encoding="utf-8"?>
+<p:sld xmlns:a="http://schemas.openxmlformats.org/drawingml/2006/main" xmlns:r="http://schemas.openxmlformats.org/officeDocument/2006/relationships" xmlns:p="http://schemas.openxmlformats.org/presentationml/2006/main">
+  <p:cSld>
+    <p:spTree>
+      <p:nvGrpSpPr>
+        <p:cNvPr id="1" name=""/>
+        <p:cNvGrpSpPr/>
+        <p:nvPr/>
+      </p:nvGrpSpPr>
+      <p:grpSpPr>
+        <a:xfrm>
+          <a:off x="0" y="0"/>
+          <a:ext cx="0" cy="0"/>
+          <a:chOff x="0" y="0"/>
+          <a:chExt cx="0" cy="0"/>
+        </a:xfrm>
+      </p:grpSpPr>
+      <p:sp>
+        <p:nvSpPr>
+          <p:cNvPr id="2" name="标题 1">
+            <a:extLst>
+              <a:ext uri="{FF2B5EF4-FFF2-40B4-BE49-F238E27FC236}">
+                <a16:creationId xmlns:a16="http://schemas.microsoft.com/office/drawing/2014/main" id="{32D842F5-0B3F-4743-BF4A-E26E6BA160B6}"/>
+              </a:ext>
+            </a:extLst>
+          </p:cNvPr>
+          <p:cNvSpPr>
+            <a:spLocks noGrp="1"/>
+          </p:cNvSpPr>
+          <p:nvPr>
+            <p:ph type="title"/>
+          </p:nvPr>
+        </p:nvSpPr>
+        <p:spPr>
+          <a:xfrm>
+            <a:off x="838200" y="71992"/>
+            <a:ext cx="10515600" cy="1325563"/>
+          </a:xfrm>
+        </p:spPr>
+        <p:txBody>
+          <a:bodyPr/>
+          <a:lstStyle/>
+          <a:p>
+            <a:r>
+              <a:rPr lang="en-US" altLang="zh-CN" dirty="0"/>
+              <a:t>Reference</a:t>
+            </a:r>
+            <a:endParaRPr lang="zh-CN" altLang="en-US" dirty="0"/>
+          </a:p>
+        </p:txBody>
+      </p:sp>
+      <p:cxnSp>
+        <p:nvCxnSpPr>
+          <p:cNvPr id="4" name="直接连接符 3">
+            <a:extLst>
+              <a:ext uri="{FF2B5EF4-FFF2-40B4-BE49-F238E27FC236}">
+                <a16:creationId xmlns:a16="http://schemas.microsoft.com/office/drawing/2014/main" id="{25CE446D-5334-4A76-AFD2-9D692BEBC1AE}"/>
+              </a:ext>
+            </a:extLst>
+          </p:cNvPr>
+          <p:cNvCxnSpPr/>
+          <p:nvPr/>
+        </p:nvCxnSpPr>
+        <p:spPr>
+          <a:xfrm>
+            <a:off x="696000" y="1351757"/>
+            <a:ext cx="10800000" cy="0"/>
+          </a:xfrm>
+          <a:prstGeom prst="line">
+            <a:avLst/>
+          </a:prstGeom>
+          <a:ln w="57150"/>
+        </p:spPr>
+        <p:style>
+          <a:lnRef idx="1">
+            <a:schemeClr val="dk1"/>
+          </a:lnRef>
+          <a:fillRef idx="0">
+            <a:schemeClr val="dk1"/>
+          </a:fillRef>
+          <a:effectRef idx="0">
+            <a:schemeClr val="dk1"/>
+          </a:effectRef>
+          <a:fontRef idx="minor">
+            <a:schemeClr val="tx1"/>
+          </a:fontRef>
+        </p:style>
+      </p:cxnSp>
+      <p:sp>
+        <p:nvSpPr>
+          <p:cNvPr id="5" name="文本框 4">
+            <a:extLst>
+              <a:ext uri="{FF2B5EF4-FFF2-40B4-BE49-F238E27FC236}">
+                <a16:creationId xmlns:a16="http://schemas.microsoft.com/office/drawing/2014/main" id="{4A2BA613-1569-417E-9E00-3C24F8E5BF59}"/>
+              </a:ext>
+            </a:extLst>
+          </p:cNvPr>
+          <p:cNvSpPr txBox="1"/>
+          <p:nvPr/>
+        </p:nvSpPr>
+        <p:spPr>
+          <a:xfrm>
+            <a:off x="1367182" y="2089923"/>
+            <a:ext cx="9369287" cy="369332"/>
+          </a:xfrm>
+          <a:prstGeom prst="rect">
+            <a:avLst/>
+          </a:prstGeom>
+          <a:noFill/>
+        </p:spPr>
+        <p:txBody>
+          <a:bodyPr wrap="square" rtlCol="0">
+            <a:spAutoFit/>
+          </a:bodyPr>
+          <a:lstStyle/>
+          <a:p>
+            <a:pPr marL="285750" indent="-285750">
+              <a:buFont typeface="Arial" panose="020B0604020202020204" pitchFamily="34" charset="0"/>
+              <a:buChar char="•"/>
+            </a:pPr>
+            <a:endParaRPr lang="zh-CN" altLang="en-US" dirty="0"/>
+          </a:p>
+        </p:txBody>
+      </p:sp>
+      <p:sp>
+        <p:nvSpPr>
+          <p:cNvPr id="9" name="文本框 8">
+            <a:extLst>
+              <a:ext uri="{FF2B5EF4-FFF2-40B4-BE49-F238E27FC236}">
+                <a16:creationId xmlns:a16="http://schemas.microsoft.com/office/drawing/2014/main" id="{F0EBEF71-5BD5-4DD6-AF57-5B3186255EE8}"/>
+              </a:ext>
+            </a:extLst>
+          </p:cNvPr>
+          <p:cNvSpPr txBox="1"/>
+          <p:nvPr/>
+        </p:nvSpPr>
+        <p:spPr>
+          <a:xfrm>
+            <a:off x="1310305" y="2597709"/>
+            <a:ext cx="9200877" cy="2308324"/>
+          </a:xfrm>
+          <a:prstGeom prst="rect">
+            <a:avLst/>
+          </a:prstGeom>
+          <a:noFill/>
+        </p:spPr>
+        <p:txBody>
+          <a:bodyPr wrap="square" rtlCol="0">
+            <a:spAutoFit/>
+          </a:bodyPr>
+          <a:lstStyle/>
+          <a:p>
+            <a:pPr marL="342900" indent="-342900">
+              <a:buFont typeface="+mj-lt"/>
+              <a:buAutoNum type="arabicPeriod"/>
+            </a:pPr>
+            <a:r>
+              <a:rPr lang="en-US" altLang="zh-CN" dirty="0"/>
+              <a:t>Calibrated Decoders for Experimental Quantum Error Correction. </a:t>
+            </a:r>
+            <a:r>
+              <a:rPr lang="en-US" altLang="zh-CN" i="1" dirty="0"/>
+              <a:t>Physical Review Letters</a:t>
+            </a:r>
+            <a:r>
+              <a:rPr lang="en-US" altLang="zh-CN" dirty="0"/>
+              <a:t>, </a:t>
+            </a:r>
+            <a:r>
+              <a:rPr lang="en-US" altLang="zh-CN" i="1" dirty="0"/>
+              <a:t>128</a:t>
+            </a:r>
+            <a:r>
+              <a:rPr lang="en-US" altLang="zh-CN" dirty="0"/>
+              <a:t>(11), 110504. </a:t>
+            </a:r>
+          </a:p>
+          <a:p>
+            <a:pPr marL="342900" indent="-342900">
+              <a:buFont typeface="+mj-lt"/>
+              <a:buAutoNum type="arabicPeriod"/>
+            </a:pPr>
+            <a:endParaRPr lang="en-US" altLang="zh-CN" dirty="0"/>
+          </a:p>
+          <a:p>
+            <a:pPr marL="342900" indent="-342900">
+              <a:buFont typeface="+mj-lt"/>
+              <a:buAutoNum type="arabicPeriod"/>
+            </a:pPr>
+            <a:r>
+              <a:rPr lang="en-US" altLang="zh-CN" dirty="0"/>
+              <a:t>Exponential suppression of bit or phase errors with cyclic error correction. </a:t>
+            </a:r>
+            <a:r>
+              <a:rPr lang="en-US" altLang="zh-CN" i="1" dirty="0"/>
+              <a:t>Nature</a:t>
+            </a:r>
+            <a:r>
+              <a:rPr lang="en-US" altLang="zh-CN" dirty="0"/>
+              <a:t>, </a:t>
+            </a:r>
+            <a:r>
+              <a:rPr lang="en-US" altLang="zh-CN" i="1" dirty="0"/>
+              <a:t>595</a:t>
+            </a:r>
+            <a:r>
+              <a:rPr lang="en-US" altLang="zh-CN" dirty="0"/>
+              <a:t>(7867), Article</a:t>
+            </a:r>
+          </a:p>
+          <a:p>
+            <a:pPr marL="342900" indent="-342900">
+              <a:buFont typeface="+mj-lt"/>
+              <a:buAutoNum type="arabicPeriod"/>
+            </a:pPr>
+            <a:endParaRPr lang="en-US" altLang="zh-CN" dirty="0"/>
+          </a:p>
+          <a:p>
+            <a:pPr marL="342900" indent="-342900">
+              <a:buFont typeface="+mj-lt"/>
+              <a:buAutoNum type="arabicPeriod"/>
+            </a:pPr>
+            <a:r>
+              <a:rPr lang="en-US" altLang="zh-CN" dirty="0"/>
+              <a:t>Suppressing quantum errors by scaling a surface code logical qubit. </a:t>
+            </a:r>
+            <a:r>
+              <a:rPr lang="en-US" altLang="zh-CN" i="1" dirty="0"/>
+              <a:t>Nature</a:t>
+            </a:r>
+            <a:r>
+              <a:rPr lang="en-US" altLang="zh-CN" dirty="0"/>
+              <a:t>, </a:t>
+            </a:r>
+            <a:r>
+              <a:rPr lang="en-US" altLang="zh-CN" i="1" dirty="0"/>
+              <a:t>614</a:t>
+            </a:r>
+            <a:r>
+              <a:rPr lang="en-US" altLang="zh-CN" dirty="0"/>
+              <a:t>(7949), 676–681</a:t>
+            </a:r>
+            <a:endParaRPr lang="zh-CN" altLang="en-US" dirty="0"/>
+          </a:p>
+        </p:txBody>
+      </p:sp>
+    </p:spTree>
+    <p:extLst>
+      <p:ext uri="{BB962C8B-B14F-4D97-AF65-F5344CB8AC3E}">
+        <p14:creationId xmlns:p14="http://schemas.microsoft.com/office/powerpoint/2010/main" val="2754241295"/>
+      </p:ext>
+    </p:extLst>
+  </p:cSld>
+  <p:clrMapOvr>
+    <a:masterClrMapping/>
+  </p:clrMapOvr>
+</p:sld>
+</file>
+
 <file path=ppt/slides/slide2.xml><?xml version="1.0" encoding="utf-8"?>
 <p:sld xmlns:a="http://schemas.openxmlformats.org/drawingml/2006/main" xmlns:r="http://schemas.openxmlformats.org/officeDocument/2006/relationships" xmlns:p="http://schemas.openxmlformats.org/presentationml/2006/main">
   <p:cSld>
@@ -8481,8 +8739,8 @@
           </a:fontRef>
         </p:style>
       </p:cxnSp>
-      <mc:AlternateContent xmlns:mc="http://schemas.openxmlformats.org/markup-compatibility/2006">
-        <mc:Choice xmlns:a14="http://schemas.microsoft.com/office/drawing/2010/main" Requires="a14">
+      <mc:AlternateContent xmlns:mc="http://schemas.openxmlformats.org/markup-compatibility/2006" xmlns:a14="http://schemas.microsoft.com/office/drawing/2010/main">
+        <mc:Choice Requires="a14">
           <p:sp>
             <p:nvSpPr>
               <p:cNvPr id="12" name="文本框 11">
@@ -8511,6 +8769,7 @@
               </a:bodyPr>
               <a:lstStyle/>
               <a:p>
+                <a:pPr/>
                 <a14:m>
                   <m:oMathPara xmlns:m="http://schemas.openxmlformats.org/officeDocument/2006/math">
                     <m:oMathParaPr>
@@ -8553,7 +8812,7 @@
             </p:txBody>
           </p:sp>
         </mc:Choice>
-        <mc:Fallback>
+        <mc:Fallback xmlns="">
           <p:sp>
             <p:nvSpPr>
               <p:cNvPr id="12" name="文本框 11">
@@ -8759,8 +9018,8 @@
           </a:fontRef>
         </p:style>
       </p:cxnSp>
-      <mc:AlternateContent xmlns:mc="http://schemas.openxmlformats.org/markup-compatibility/2006">
-        <mc:Choice xmlns:a14="http://schemas.microsoft.com/office/drawing/2010/main" Requires="a14">
+      <mc:AlternateContent xmlns:mc="http://schemas.openxmlformats.org/markup-compatibility/2006" xmlns:a14="http://schemas.microsoft.com/office/drawing/2010/main">
+        <mc:Choice Requires="a14">
           <p:sp>
             <p:nvSpPr>
               <p:cNvPr id="37" name="文本框 36">
@@ -8789,6 +9048,7 @@
               </a:bodyPr>
               <a:lstStyle/>
               <a:p>
+                <a:pPr/>
                 <a14:m>
                   <m:oMathPara xmlns:m="http://schemas.openxmlformats.org/officeDocument/2006/math">
                     <m:oMathParaPr>
@@ -8839,7 +9099,7 @@
             </p:txBody>
           </p:sp>
         </mc:Choice>
-        <mc:Fallback>
+        <mc:Fallback xmlns="">
           <p:sp>
             <p:nvSpPr>
               <p:cNvPr id="37" name="文本框 36">
@@ -8884,8 +9144,8 @@
           </p:sp>
         </mc:Fallback>
       </mc:AlternateContent>
-      <mc:AlternateContent xmlns:mc="http://schemas.openxmlformats.org/markup-compatibility/2006">
-        <mc:Choice xmlns:a14="http://schemas.microsoft.com/office/drawing/2010/main" Requires="a14">
+      <mc:AlternateContent xmlns:mc="http://schemas.openxmlformats.org/markup-compatibility/2006" xmlns:a14="http://schemas.microsoft.com/office/drawing/2010/main">
+        <mc:Choice Requires="a14">
           <p:sp>
             <p:nvSpPr>
               <p:cNvPr id="38" name="文本框 37">
@@ -8914,6 +9174,7 @@
               </a:bodyPr>
               <a:lstStyle/>
               <a:p>
+                <a:pPr/>
                 <a14:m>
                   <m:oMathPara xmlns:m="http://schemas.openxmlformats.org/officeDocument/2006/math">
                     <m:oMathParaPr>
@@ -8956,7 +9217,7 @@
             </p:txBody>
           </p:sp>
         </mc:Choice>
-        <mc:Fallback>
+        <mc:Fallback xmlns="">
           <p:sp>
             <p:nvSpPr>
               <p:cNvPr id="38" name="文本框 37">
@@ -9161,8 +9422,8 @@
           </a:p>
         </p:txBody>
       </p:sp>
-      <mc:AlternateContent xmlns:mc="http://schemas.openxmlformats.org/markup-compatibility/2006">
-        <mc:Choice xmlns:a14="http://schemas.microsoft.com/office/drawing/2010/main" Requires="a14">
+      <mc:AlternateContent xmlns:mc="http://schemas.openxmlformats.org/markup-compatibility/2006" xmlns:a14="http://schemas.microsoft.com/office/drawing/2010/main">
+        <mc:Choice Requires="a14">
           <p:sp>
             <p:nvSpPr>
               <p:cNvPr id="43" name="文本框 42">
@@ -9191,6 +9452,7 @@
               </a:bodyPr>
               <a:lstStyle/>
               <a:p>
+                <a:pPr/>
                 <a14:m>
                   <m:oMathPara xmlns:m="http://schemas.openxmlformats.org/officeDocument/2006/math">
                     <m:oMathParaPr>
@@ -9241,7 +9503,7 @@
             </p:txBody>
           </p:sp>
         </mc:Choice>
-        <mc:Fallback>
+        <mc:Fallback xmlns="">
           <p:sp>
             <p:nvSpPr>
               <p:cNvPr id="43" name="文本框 42">
@@ -9286,8 +9548,8 @@
           </p:sp>
         </mc:Fallback>
       </mc:AlternateContent>
-      <mc:AlternateContent xmlns:mc="http://schemas.openxmlformats.org/markup-compatibility/2006">
-        <mc:Choice xmlns:a14="http://schemas.microsoft.com/office/drawing/2010/main" Requires="a14">
+      <mc:AlternateContent xmlns:mc="http://schemas.openxmlformats.org/markup-compatibility/2006" xmlns:a14="http://schemas.microsoft.com/office/drawing/2010/main">
+        <mc:Choice Requires="a14">
           <p:sp>
             <p:nvSpPr>
               <p:cNvPr id="44" name="文本框 43">
@@ -9316,6 +9578,7 @@
               </a:bodyPr>
               <a:lstStyle/>
               <a:p>
+                <a:pPr/>
                 <a14:m>
                   <m:oMathPara xmlns:m="http://schemas.openxmlformats.org/officeDocument/2006/math">
                     <m:oMathParaPr>
@@ -9358,7 +9621,7 @@
             </p:txBody>
           </p:sp>
         </mc:Choice>
-        <mc:Fallback>
+        <mc:Fallback xmlns="">
           <p:sp>
             <p:nvSpPr>
               <p:cNvPr id="44" name="文本框 43">
@@ -9403,8 +9666,8 @@
           </p:sp>
         </mc:Fallback>
       </mc:AlternateContent>
-      <mc:AlternateContent xmlns:mc="http://schemas.openxmlformats.org/markup-compatibility/2006">
-        <mc:Choice xmlns:a14="http://schemas.microsoft.com/office/drawing/2010/main" Requires="a14">
+      <mc:AlternateContent xmlns:mc="http://schemas.openxmlformats.org/markup-compatibility/2006" xmlns:a14="http://schemas.microsoft.com/office/drawing/2010/main">
+        <mc:Choice Requires="a14">
           <p:sp>
             <p:nvSpPr>
               <p:cNvPr id="45" name="文本框 44">
@@ -9433,6 +9696,7 @@
               </a:bodyPr>
               <a:lstStyle/>
               <a:p>
+                <a:pPr/>
                 <a14:m>
                   <m:oMathPara xmlns:m="http://schemas.openxmlformats.org/officeDocument/2006/math">
                     <m:oMathParaPr>
@@ -9483,7 +9747,7 @@
             </p:txBody>
           </p:sp>
         </mc:Choice>
-        <mc:Fallback>
+        <mc:Fallback xmlns="">
           <p:sp>
             <p:nvSpPr>
               <p:cNvPr id="45" name="文本框 44">
@@ -9528,8 +9792,8 @@
           </p:sp>
         </mc:Fallback>
       </mc:AlternateContent>
-      <mc:AlternateContent xmlns:mc="http://schemas.openxmlformats.org/markup-compatibility/2006">
-        <mc:Choice xmlns:a14="http://schemas.microsoft.com/office/drawing/2010/main" Requires="a14">
+      <mc:AlternateContent xmlns:mc="http://schemas.openxmlformats.org/markup-compatibility/2006" xmlns:a14="http://schemas.microsoft.com/office/drawing/2010/main">
+        <mc:Choice Requires="a14">
           <p:sp>
             <p:nvSpPr>
               <p:cNvPr id="46" name="文本框 45">
@@ -9558,6 +9822,7 @@
               </a:bodyPr>
               <a:lstStyle/>
               <a:p>
+                <a:pPr/>
                 <a14:m>
                   <m:oMathPara xmlns:m="http://schemas.openxmlformats.org/officeDocument/2006/math">
                     <m:oMathParaPr>
@@ -9608,7 +9873,7 @@
             </p:txBody>
           </p:sp>
         </mc:Choice>
-        <mc:Fallback>
+        <mc:Fallback xmlns="">
           <p:sp>
             <p:nvSpPr>
               <p:cNvPr id="46" name="文本框 45">
@@ -9653,8 +9918,8 @@
           </p:sp>
         </mc:Fallback>
       </mc:AlternateContent>
-      <mc:AlternateContent xmlns:mc="http://schemas.openxmlformats.org/markup-compatibility/2006">
-        <mc:Choice xmlns:a14="http://schemas.microsoft.com/office/drawing/2010/main" Requires="a14">
+      <mc:AlternateContent xmlns:mc="http://schemas.openxmlformats.org/markup-compatibility/2006" xmlns:a14="http://schemas.microsoft.com/office/drawing/2010/main">
+        <mc:Choice Requires="a14">
           <p:sp>
             <p:nvSpPr>
               <p:cNvPr id="26" name="文本框 25">
@@ -9688,6 +9953,7 @@
               </a:bodyPr>
               <a:lstStyle/>
               <a:p>
+                <a:pPr/>
                 <a14:m>
                   <m:oMathPara xmlns:m="http://schemas.openxmlformats.org/officeDocument/2006/math">
                     <m:oMathParaPr>
@@ -9897,7 +10163,7 @@
             </p:txBody>
           </p:sp>
         </mc:Choice>
-        <mc:Fallback>
+        <mc:Fallback xmlns="">
           <p:sp>
             <p:nvSpPr>
               <p:cNvPr id="26" name="文本框 25">
@@ -9947,8 +10213,8 @@
           </p:sp>
         </mc:Fallback>
       </mc:AlternateContent>
-      <mc:AlternateContent xmlns:mc="http://schemas.openxmlformats.org/markup-compatibility/2006">
-        <mc:Choice xmlns:a14="http://schemas.microsoft.com/office/drawing/2010/main" Requires="a14">
+      <mc:AlternateContent xmlns:mc="http://schemas.openxmlformats.org/markup-compatibility/2006" xmlns:a14="http://schemas.microsoft.com/office/drawing/2010/main">
+        <mc:Choice Requires="a14">
           <p:sp>
             <p:nvSpPr>
               <p:cNvPr id="47" name="文本框 46">
@@ -9982,6 +10248,7 @@
               </a:bodyPr>
               <a:lstStyle/>
               <a:p>
+                <a:pPr/>
                 <a14:m>
                   <m:oMathPara xmlns:m="http://schemas.openxmlformats.org/officeDocument/2006/math">
                     <m:oMathParaPr>
@@ -10275,7 +10542,7 @@
             </p:txBody>
           </p:sp>
         </mc:Choice>
-        <mc:Fallback>
+        <mc:Fallback xmlns="">
           <p:sp>
             <p:nvSpPr>
               <p:cNvPr id="47" name="文本框 46">

--- a/examples/correlation_analysis.pptx
+++ b/examples/correlation_analysis.pptx
@@ -19,8 +19,8 @@
     <p:sldId id="318" r:id="rId10"/>
     <p:sldId id="320" r:id="rId11"/>
     <p:sldId id="321" r:id="rId12"/>
-    <p:sldId id="323" r:id="rId13"/>
-    <p:sldId id="322" r:id="rId14"/>
+    <p:sldId id="322" r:id="rId13"/>
+    <p:sldId id="323" r:id="rId14"/>
     <p:sldId id="324" r:id="rId15"/>
   </p:sldIdLst>
   <p:sldSz cx="12192000" cy="6858000"/>
@@ -222,7 +222,7 @@
           <a:p>
             <a:fld id="{EB548283-8763-2843-BB37-9D09584F84F8}" type="datetimeFigureOut">
               <a:rPr kumimoji="1" lang="zh-CN" altLang="en-US" smtClean="0"/>
-              <a:t>2024/4/16</a:t>
+              <a:t>2024/4/18</a:t>
             </a:fld>
             <a:endParaRPr kumimoji="1" lang="zh-CN" altLang="en-US"/>
           </a:p>
@@ -636,7 +636,7 @@
           <a:p>
             <a:fld id="{CC018684-B44C-4376-8B29-BCE50C4ADFFC}" type="datetimeFigureOut">
               <a:rPr lang="zh-CN" altLang="en-US" smtClean="0"/>
-              <a:t>2024/4/16</a:t>
+              <a:t>2024/4/18</a:t>
             </a:fld>
             <a:endParaRPr lang="zh-CN" altLang="en-US"/>
           </a:p>
@@ -834,7 +834,7 @@
           <a:p>
             <a:fld id="{CC018684-B44C-4376-8B29-BCE50C4ADFFC}" type="datetimeFigureOut">
               <a:rPr lang="zh-CN" altLang="en-US" smtClean="0"/>
-              <a:t>2024/4/16</a:t>
+              <a:t>2024/4/18</a:t>
             </a:fld>
             <a:endParaRPr lang="zh-CN" altLang="en-US"/>
           </a:p>
@@ -1042,7 +1042,7 @@
           <a:p>
             <a:fld id="{CC018684-B44C-4376-8B29-BCE50C4ADFFC}" type="datetimeFigureOut">
               <a:rPr lang="zh-CN" altLang="en-US" smtClean="0"/>
-              <a:t>2024/4/16</a:t>
+              <a:t>2024/4/18</a:t>
             </a:fld>
             <a:endParaRPr lang="zh-CN" altLang="en-US"/>
           </a:p>
@@ -1240,7 +1240,7 @@
           <a:p>
             <a:fld id="{CC018684-B44C-4376-8B29-BCE50C4ADFFC}" type="datetimeFigureOut">
               <a:rPr lang="zh-CN" altLang="en-US" smtClean="0"/>
-              <a:t>2024/4/16</a:t>
+              <a:t>2024/4/18</a:t>
             </a:fld>
             <a:endParaRPr lang="zh-CN" altLang="en-US"/>
           </a:p>
@@ -1515,7 +1515,7 @@
           <a:p>
             <a:fld id="{CC018684-B44C-4376-8B29-BCE50C4ADFFC}" type="datetimeFigureOut">
               <a:rPr lang="zh-CN" altLang="en-US" smtClean="0"/>
-              <a:t>2024/4/16</a:t>
+              <a:t>2024/4/18</a:t>
             </a:fld>
             <a:endParaRPr lang="zh-CN" altLang="en-US"/>
           </a:p>
@@ -1780,7 +1780,7 @@
           <a:p>
             <a:fld id="{CC018684-B44C-4376-8B29-BCE50C4ADFFC}" type="datetimeFigureOut">
               <a:rPr lang="zh-CN" altLang="en-US" smtClean="0"/>
-              <a:t>2024/4/16</a:t>
+              <a:t>2024/4/18</a:t>
             </a:fld>
             <a:endParaRPr lang="zh-CN" altLang="en-US"/>
           </a:p>
@@ -2192,7 +2192,7 @@
           <a:p>
             <a:fld id="{CC018684-B44C-4376-8B29-BCE50C4ADFFC}" type="datetimeFigureOut">
               <a:rPr lang="zh-CN" altLang="en-US" smtClean="0"/>
-              <a:t>2024/4/16</a:t>
+              <a:t>2024/4/18</a:t>
             </a:fld>
             <a:endParaRPr lang="zh-CN" altLang="en-US"/>
           </a:p>
@@ -2333,7 +2333,7 @@
           <a:p>
             <a:fld id="{CC018684-B44C-4376-8B29-BCE50C4ADFFC}" type="datetimeFigureOut">
               <a:rPr lang="zh-CN" altLang="en-US" smtClean="0"/>
-              <a:t>2024/4/16</a:t>
+              <a:t>2024/4/18</a:t>
             </a:fld>
             <a:endParaRPr lang="zh-CN" altLang="en-US"/>
           </a:p>
@@ -2446,7 +2446,7 @@
           <a:p>
             <a:fld id="{CC018684-B44C-4376-8B29-BCE50C4ADFFC}" type="datetimeFigureOut">
               <a:rPr lang="zh-CN" altLang="en-US" smtClean="0"/>
-              <a:t>2024/4/16</a:t>
+              <a:t>2024/4/18</a:t>
             </a:fld>
             <a:endParaRPr lang="zh-CN" altLang="en-US"/>
           </a:p>
@@ -2757,7 +2757,7 @@
           <a:p>
             <a:fld id="{CC018684-B44C-4376-8B29-BCE50C4ADFFC}" type="datetimeFigureOut">
               <a:rPr lang="zh-CN" altLang="en-US" smtClean="0"/>
-              <a:t>2024/4/16</a:t>
+              <a:t>2024/4/18</a:t>
             </a:fld>
             <a:endParaRPr lang="zh-CN" altLang="en-US"/>
           </a:p>
@@ -3045,7 +3045,7 @@
           <a:p>
             <a:fld id="{CC018684-B44C-4376-8B29-BCE50C4ADFFC}" type="datetimeFigureOut">
               <a:rPr lang="zh-CN" altLang="en-US" smtClean="0"/>
-              <a:t>2024/4/16</a:t>
+              <a:t>2024/4/18</a:t>
             </a:fld>
             <a:endParaRPr lang="zh-CN" altLang="en-US"/>
           </a:p>
@@ -3286,7 +3286,7 @@
           <a:p>
             <a:fld id="{CC018684-B44C-4376-8B29-BCE50C4ADFFC}" type="datetimeFigureOut">
               <a:rPr lang="zh-CN" altLang="en-US" smtClean="0"/>
-              <a:t>2024/4/16</a:t>
+              <a:t>2024/4/18</a:t>
             </a:fld>
             <a:endParaRPr lang="zh-CN" altLang="en-US"/>
           </a:p>
@@ -4164,8 +4164,8 @@
           </a:p>
         </p:txBody>
       </p:sp>
-      <mc:AlternateContent xmlns:mc="http://schemas.openxmlformats.org/markup-compatibility/2006" xmlns:a14="http://schemas.microsoft.com/office/drawing/2010/main">
-        <mc:Choice Requires="a14">
+      <mc:AlternateContent xmlns:mc="http://schemas.openxmlformats.org/markup-compatibility/2006">
+        <mc:Choice xmlns:a14="http://schemas.microsoft.com/office/drawing/2010/main" Requires="a14">
           <p:sp>
             <p:nvSpPr>
               <p:cNvPr id="17" name="文本框 16">
@@ -4180,7 +4180,7 @@
             </p:nvSpPr>
             <p:spPr>
               <a:xfrm>
-                <a:off x="3943944" y="3163221"/>
+                <a:off x="3997413" y="3130533"/>
                 <a:ext cx="7983400" cy="2480294"/>
               </a:xfrm>
               <a:prstGeom prst="rect">
@@ -5179,7 +5179,7 @@
             </p:txBody>
           </p:sp>
         </mc:Choice>
-        <mc:Fallback xmlns="">
+        <mc:Fallback>
           <p:sp>
             <p:nvSpPr>
               <p:cNvPr id="17" name="文本框 16">
@@ -5196,7 +5196,7 @@
             </p:nvSpPr>
             <p:spPr>
               <a:xfrm>
-                <a:off x="3943944" y="3163221"/>
+                <a:off x="3997413" y="3130533"/>
                 <a:ext cx="7983400" cy="2480294"/>
               </a:xfrm>
               <a:prstGeom prst="rect">
@@ -5772,7 +5772,7 @@
           <a:p>
             <a:r>
               <a:rPr lang="en-US" altLang="zh-CN" dirty="0"/>
-              <a:t>High order correlation</a:t>
+              <a:t>Limitation</a:t>
             </a:r>
             <a:endParaRPr lang="zh-CN" altLang="en-US" dirty="0"/>
           </a:p>
@@ -5820,7 +5820,7 @@
           <p:cNvPr id="5" name="文本框 4">
             <a:extLst>
               <a:ext uri="{FF2B5EF4-FFF2-40B4-BE49-F238E27FC236}">
-                <a16:creationId xmlns:a16="http://schemas.microsoft.com/office/drawing/2014/main" id="{2AA893A4-9ECF-4282-9EC8-B6A28DCFE39C}"/>
+                <a16:creationId xmlns:a16="http://schemas.microsoft.com/office/drawing/2014/main" id="{4A2BA613-1569-417E-9E00-3C24F8E5BF59}"/>
               </a:ext>
             </a:extLst>
           </p:cNvPr>
@@ -5829,8 +5829,8 @@
         </p:nvSpPr>
         <p:spPr>
           <a:xfrm>
-            <a:off x="764209" y="2071757"/>
-            <a:ext cx="4311374" cy="369332"/>
+            <a:off x="1340931" y="1827416"/>
+            <a:ext cx="9369287" cy="3970318"/>
           </a:xfrm>
           <a:prstGeom prst="rect">
             <a:avLst/>
@@ -5842,58 +5842,6 @@
             <a:spAutoFit/>
           </a:bodyPr>
           <a:lstStyle/>
-          <a:p>
-            <a:r>
-              <a:rPr lang="en-US" altLang="zh-CN" b="1" dirty="0"/>
-              <a:t>Implementation</a:t>
-            </a:r>
-            <a:endParaRPr lang="zh-CN" altLang="en-US" b="1" dirty="0"/>
-          </a:p>
-        </p:txBody>
-      </p:sp>
-      <p:sp>
-        <p:nvSpPr>
-          <p:cNvPr id="9" name="文本框 8">
-            <a:extLst>
-              <a:ext uri="{FF2B5EF4-FFF2-40B4-BE49-F238E27FC236}">
-                <a16:creationId xmlns:a16="http://schemas.microsoft.com/office/drawing/2014/main" id="{E2479921-16F0-46AB-B81F-055A6A31E820}"/>
-              </a:ext>
-            </a:extLst>
-          </p:cNvPr>
-          <p:cNvSpPr txBox="1"/>
-          <p:nvPr/>
-        </p:nvSpPr>
-        <p:spPr>
-          <a:xfrm>
-            <a:off x="2279374" y="3055683"/>
-            <a:ext cx="7743687" cy="1200329"/>
-          </a:xfrm>
-          <a:prstGeom prst="rect">
-            <a:avLst/>
-          </a:prstGeom>
-          <a:noFill/>
-        </p:spPr>
-        <p:txBody>
-          <a:bodyPr wrap="square" rtlCol="0">
-            <a:spAutoFit/>
-          </a:bodyPr>
-          <a:lstStyle/>
-          <a:p>
-            <a:pPr marL="285750" indent="-285750">
-              <a:buFont typeface="Arial" panose="020B0604020202020204" pitchFamily="34" charset="0"/>
-              <a:buChar char="•"/>
-            </a:pPr>
-            <a:r>
-              <a:rPr lang="en-US" altLang="zh-CN" dirty="0">
-                <a:hlinkClick r:id="rId2"/>
-              </a:rPr>
-              <a:t>https://github.com/inmzhang/correlation</a:t>
-            </a:r>
-            <a:r>
-              <a:rPr lang="en-US" altLang="zh-CN" dirty="0"/>
-              <a:t> (Python)</a:t>
-            </a:r>
-          </a:p>
           <a:p>
             <a:pPr marL="285750" indent="-285750">
               <a:buFont typeface="Arial" panose="020B0604020202020204" pitchFamily="34" charset="0"/>
@@ -5907,22 +5855,60 @@
               <a:buChar char="•"/>
             </a:pPr>
             <a:r>
-              <a:rPr lang="en-US" altLang="zh-CN" dirty="0">
-                <a:hlinkClick r:id="rId3"/>
-              </a:rPr>
-              <a:t>https://github.com/inmzhang/correlation-rs</a:t>
-            </a:r>
-            <a:r>
               <a:rPr lang="en-US" altLang="zh-CN" dirty="0"/>
-              <a:t> (Rust port with python binding)</a:t>
-            </a:r>
+              <a:t>Currently we use the hyperedges appeared in the circuit-error-based depolarizing error model for high order correlation analysis. Experimental heuristic hyperedges are not easy and straightforward to locate and expensive to search by brute-force approach.</a:t>
+            </a:r>
+          </a:p>
+          <a:p>
+            <a:pPr marL="285750" indent="-285750">
+              <a:buFont typeface="Arial" panose="020B0604020202020204" pitchFamily="34" charset="0"/>
+              <a:buChar char="•"/>
+            </a:pPr>
+            <a:endParaRPr lang="en-US" altLang="zh-CN" dirty="0"/>
+          </a:p>
+          <a:p>
+            <a:pPr marL="285750" indent="-285750">
+              <a:buFont typeface="Arial" panose="020B0604020202020204" pitchFamily="34" charset="0"/>
+              <a:buChar char="•"/>
+            </a:pPr>
+            <a:r>
+              <a:rPr lang="en-US" altLang="zh-CN" dirty="0"/>
+              <a:t>The number of cluster equals to the number of largest hyperedges in the error graph, which will scale with the code size and number of error correction rounds(linearly).</a:t>
+            </a:r>
+          </a:p>
+          <a:p>
+            <a:endParaRPr lang="en-US" altLang="zh-CN" dirty="0"/>
+          </a:p>
+          <a:p>
+            <a:pPr marL="285750" indent="-285750">
+              <a:buFont typeface="Arial" panose="020B0604020202020204" pitchFamily="34" charset="0"/>
+              <a:buChar char="•"/>
+            </a:pPr>
+            <a:r>
+              <a:rPr lang="en-US" altLang="zh-CN" dirty="0"/>
+              <a:t>Solving the non-linear equation system is not cheap.</a:t>
+            </a:r>
+          </a:p>
+          <a:p>
+            <a:pPr marL="285750" indent="-285750">
+              <a:buFont typeface="Arial" panose="020B0604020202020204" pitchFamily="34" charset="0"/>
+              <a:buChar char="•"/>
+            </a:pPr>
+            <a:endParaRPr lang="en-US" altLang="zh-CN" dirty="0"/>
+          </a:p>
+          <a:p>
+            <a:pPr marL="285750" indent="-285750">
+              <a:buFont typeface="Arial" panose="020B0604020202020204" pitchFamily="34" charset="0"/>
+              <a:buChar char="•"/>
+            </a:pPr>
+            <a:endParaRPr lang="zh-CN" altLang="en-US" dirty="0"/>
           </a:p>
         </p:txBody>
       </p:sp>
     </p:spTree>
     <p:extLst>
       <p:ext uri="{BB962C8B-B14F-4D97-AF65-F5344CB8AC3E}">
-        <p14:creationId xmlns:p14="http://schemas.microsoft.com/office/powerpoint/2010/main" val="574262114"/>
+        <p14:creationId xmlns:p14="http://schemas.microsoft.com/office/powerpoint/2010/main" val="1017686864"/>
       </p:ext>
     </p:extLst>
   </p:cSld>
@@ -5977,7 +5963,7 @@
           <a:p>
             <a:r>
               <a:rPr lang="en-US" altLang="zh-CN" dirty="0"/>
-              <a:t>Limitation</a:t>
+              <a:t>High order correlation</a:t>
             </a:r>
             <a:endParaRPr lang="zh-CN" altLang="en-US" dirty="0"/>
           </a:p>
@@ -6025,7 +6011,7 @@
           <p:cNvPr id="5" name="文本框 4">
             <a:extLst>
               <a:ext uri="{FF2B5EF4-FFF2-40B4-BE49-F238E27FC236}">
-                <a16:creationId xmlns:a16="http://schemas.microsoft.com/office/drawing/2014/main" id="{4A2BA613-1569-417E-9E00-3C24F8E5BF59}"/>
+                <a16:creationId xmlns:a16="http://schemas.microsoft.com/office/drawing/2014/main" id="{2AA893A4-9ECF-4282-9EC8-B6A28DCFE39C}"/>
               </a:ext>
             </a:extLst>
           </p:cNvPr>
@@ -6034,8 +6020,8 @@
         </p:nvSpPr>
         <p:spPr>
           <a:xfrm>
-            <a:off x="1367182" y="2089923"/>
-            <a:ext cx="9369287" cy="3416320"/>
+            <a:off x="764209" y="2071757"/>
+            <a:ext cx="4311374" cy="369332"/>
           </a:xfrm>
           <a:prstGeom prst="rect">
             <a:avLst/>
@@ -6048,13 +6034,55 @@
           </a:bodyPr>
           <a:lstStyle/>
           <a:p>
+            <a:r>
+              <a:rPr lang="en-US" altLang="zh-CN" b="1" dirty="0"/>
+              <a:t>Implementation</a:t>
+            </a:r>
+            <a:endParaRPr lang="zh-CN" altLang="en-US" b="1" dirty="0"/>
+          </a:p>
+        </p:txBody>
+      </p:sp>
+      <p:sp>
+        <p:nvSpPr>
+          <p:cNvPr id="9" name="文本框 8">
+            <a:extLst>
+              <a:ext uri="{FF2B5EF4-FFF2-40B4-BE49-F238E27FC236}">
+                <a16:creationId xmlns:a16="http://schemas.microsoft.com/office/drawing/2014/main" id="{E2479921-16F0-46AB-B81F-055A6A31E820}"/>
+              </a:ext>
+            </a:extLst>
+          </p:cNvPr>
+          <p:cNvSpPr txBox="1"/>
+          <p:nvPr/>
+        </p:nvSpPr>
+        <p:spPr>
+          <a:xfrm>
+            <a:off x="2279374" y="3055683"/>
+            <a:ext cx="7743687" cy="1200329"/>
+          </a:xfrm>
+          <a:prstGeom prst="rect">
+            <a:avLst/>
+          </a:prstGeom>
+          <a:noFill/>
+        </p:spPr>
+        <p:txBody>
+          <a:bodyPr wrap="square" rtlCol="0">
+            <a:spAutoFit/>
+          </a:bodyPr>
+          <a:lstStyle/>
+          <a:p>
             <a:pPr marL="285750" indent="-285750">
               <a:buFont typeface="Arial" panose="020B0604020202020204" pitchFamily="34" charset="0"/>
               <a:buChar char="•"/>
             </a:pPr>
             <a:r>
+              <a:rPr lang="en-US" altLang="zh-CN" dirty="0">
+                <a:hlinkClick r:id="rId2"/>
+              </a:rPr>
+              <a:t>https://github.com/inmzhang/correlation</a:t>
+            </a:r>
+            <a:r>
               <a:rPr lang="en-US" altLang="zh-CN" dirty="0"/>
-              <a:t>The number of cluster equals to the number of largest hyperedges in the error graph, which will scale with the code size and number of error correction rounds(linearly).</a:t>
+              <a:t> (Python)</a:t>
             </a:r>
           </a:p>
           <a:p>
@@ -6070,40 +6098,22 @@
               <a:buChar char="•"/>
             </a:pPr>
             <a:r>
+              <a:rPr lang="en-US" altLang="zh-CN" dirty="0">
+                <a:hlinkClick r:id="rId3"/>
+              </a:rPr>
+              <a:t>https://github.com/inmzhang/correlation-rs</a:t>
+            </a:r>
+            <a:r>
               <a:rPr lang="en-US" altLang="zh-CN" dirty="0"/>
-              <a:t>Solving the non-linear equation system is not cheap.</a:t>
-            </a:r>
-          </a:p>
-          <a:p>
-            <a:pPr marL="285750" indent="-285750">
-              <a:buFont typeface="Arial" panose="020B0604020202020204" pitchFamily="34" charset="0"/>
-              <a:buChar char="•"/>
-            </a:pPr>
-            <a:endParaRPr lang="en-US" altLang="zh-CN" dirty="0"/>
-          </a:p>
-          <a:p>
-            <a:pPr marL="285750" indent="-285750">
-              <a:buFont typeface="Arial" panose="020B0604020202020204" pitchFamily="34" charset="0"/>
-              <a:buChar char="•"/>
-            </a:pPr>
-            <a:r>
-              <a:rPr lang="en-US" altLang="zh-CN" dirty="0"/>
-              <a:t>Currently we use the hyperedges appeared in the circuit-error-based depolarizing error model for high order correlation analysis. Experimental heuristic hyperedges are not easy and straightforward to locate and expensive to search by brute-force approach.</a:t>
-            </a:r>
-          </a:p>
-          <a:p>
-            <a:pPr marL="285750" indent="-285750">
-              <a:buFont typeface="Arial" panose="020B0604020202020204" pitchFamily="34" charset="0"/>
-              <a:buChar char="•"/>
-            </a:pPr>
-            <a:endParaRPr lang="zh-CN" altLang="en-US" dirty="0"/>
+              <a:t> (Rust port with python binding)</a:t>
+            </a:r>
           </a:p>
         </p:txBody>
       </p:sp>
     </p:spTree>
     <p:extLst>
       <p:ext uri="{BB962C8B-B14F-4D97-AF65-F5344CB8AC3E}">
-        <p14:creationId xmlns:p14="http://schemas.microsoft.com/office/powerpoint/2010/main" val="1017686864"/>
+        <p14:creationId xmlns:p14="http://schemas.microsoft.com/office/powerpoint/2010/main" val="574262114"/>
       </p:ext>
     </p:extLst>
   </p:cSld>
@@ -6938,7 +6948,7 @@
         </p:blipFill>
         <p:spPr>
           <a:xfrm>
-            <a:off x="8408250" y="5397099"/>
+            <a:off x="7895524" y="5388098"/>
             <a:ext cx="3600476" cy="1362085"/>
           </a:xfrm>
           <a:prstGeom prst="rect">
@@ -7036,7 +7046,7 @@
         </p:nvSpPr>
         <p:spPr>
           <a:xfrm rot="16200000" flipH="1" flipV="1">
-            <a:off x="10123117" y="4055744"/>
+            <a:off x="9856234" y="4168916"/>
             <a:ext cx="516376" cy="345634"/>
           </a:xfrm>
           <a:prstGeom prst="bentArrow">
@@ -7130,8 +7140,8 @@
         </p:nvSpPr>
         <p:spPr>
           <a:xfrm>
-            <a:off x="8540020" y="5006865"/>
-            <a:ext cx="3428813" cy="369332"/>
+            <a:off x="7162343" y="5018766"/>
+            <a:ext cx="4624500" cy="369332"/>
           </a:xfrm>
           <a:prstGeom prst="rect">
             <a:avLst/>
@@ -7150,7 +7160,7 @@
                   <a:srgbClr val="FF0000"/>
                 </a:solidFill>
               </a:rPr>
-              <a:t>Detector Error Model</a:t>
+              <a:t>Detector Error Model(Error Graph)</a:t>
             </a:r>
             <a:endParaRPr lang="zh-CN" altLang="en-US" b="1" dirty="0">
               <a:solidFill>
@@ -7867,14 +7877,13 @@
             </a:extLst>
           </p:cNvPr>
           <p:cNvCxnSpPr>
-            <a:stCxn id="16" idx="6"/>
-            <a:endCxn id="20" idx="2"/>
+            <a:cxnSpLocks/>
           </p:cNvCxnSpPr>
           <p:nvPr/>
         </p:nvCxnSpPr>
         <p:spPr>
           <a:xfrm flipV="1">
-            <a:off x="1496291" y="4808256"/>
+            <a:off x="1496291" y="4807707"/>
             <a:ext cx="1674942" cy="1"/>
           </a:xfrm>
           <a:prstGeom prst="line">
@@ -9918,8 +9927,8 @@
           </p:sp>
         </mc:Fallback>
       </mc:AlternateContent>
-      <mc:AlternateContent xmlns:mc="http://schemas.openxmlformats.org/markup-compatibility/2006" xmlns:a14="http://schemas.microsoft.com/office/drawing/2010/main">
-        <mc:Choice Requires="a14">
+      <mc:AlternateContent xmlns:mc="http://schemas.openxmlformats.org/markup-compatibility/2006">
+        <mc:Choice xmlns:a14="http://schemas.microsoft.com/office/drawing/2010/main" Requires="a14">
           <p:sp>
             <p:nvSpPr>
               <p:cNvPr id="26" name="文本框 25">
@@ -9935,7 +9944,7 @@
             <p:spPr>
               <a:xfrm>
                 <a:off x="8357028" y="3595757"/>
-                <a:ext cx="3432478" cy="312650"/>
+                <a:ext cx="3320781" cy="284180"/>
               </a:xfrm>
               <a:prstGeom prst="rect">
                 <a:avLst/>
@@ -10039,39 +10048,34 @@
                             </a:rPr>
                             <m:t>1−</m:t>
                           </m:r>
-                          <m:sSubSup>
-                            <m:sSubSupPr>
+                          <m:sSub>
+                            <m:sSubPr>
                               <m:ctrlPr>
-                                <a:rPr lang="en-US" altLang="zh-CN" b="0" i="1" smtClean="0">
+                                <a:rPr lang="en-US" altLang="zh-CN" i="1">
                                   <a:latin typeface="Cambria Math" panose="02040503050406030204" pitchFamily="18" charset="0"/>
                                 </a:rPr>
                               </m:ctrlPr>
-                            </m:sSubSupPr>
+                            </m:sSubPr>
                             <m:e>
                               <m:r>
-                                <a:rPr lang="en-US" altLang="zh-CN" b="0" i="1" smtClean="0">
+                                <m:rPr>
+                                  <m:sty m:val="p"/>
+                                </m:rPr>
+                                <a:rPr lang="en-US" altLang="zh-CN" i="1">
                                   <a:latin typeface="Cambria Math" panose="02040503050406030204" pitchFamily="18" charset="0"/>
                                 </a:rPr>
-                                <m:t>𝑃</m:t>
+                                <m:t>P</m:t>
                               </m:r>
                             </m:e>
                             <m:sub>
                               <m:r>
-                                <a:rPr lang="en-US" altLang="zh-CN" b="0" i="1" smtClean="0">
-                                  <a:latin typeface="Cambria Math" panose="02040503050406030204" pitchFamily="18" charset="0"/>
-                                </a:rPr>
-                                <m:t>0</m:t>
-                              </m:r>
-                            </m:sub>
-                            <m:sup>
-                              <m:r>
-                                <a:rPr lang="en-US" altLang="zh-CN" b="0" i="1" smtClean="0">
+                                <a:rPr lang="en-US" altLang="zh-CN" i="1">
                                   <a:latin typeface="Cambria Math" panose="02040503050406030204" pitchFamily="18" charset="0"/>
                                 </a:rPr>
                                 <m:t>02</m:t>
                               </m:r>
-                            </m:sup>
-                          </m:sSubSup>
+                            </m:sub>
+                          </m:sSub>
                         </m:e>
                       </m:d>
                       <m:r>
@@ -10122,20 +10126,23 @@
                           </m:sSub>
                         </m:e>
                       </m:d>
-                      <m:sSubSup>
-                        <m:sSubSupPr>
+                      <m:sSub>
+                        <m:sSubPr>
                           <m:ctrlPr>
                             <a:rPr lang="en-US" altLang="zh-CN" b="0" i="1" smtClean="0">
                               <a:latin typeface="Cambria Math" panose="02040503050406030204" pitchFamily="18" charset="0"/>
                             </a:rPr>
                           </m:ctrlPr>
-                        </m:sSubSupPr>
+                        </m:sSubPr>
                         <m:e>
                           <m:r>
-                            <a:rPr lang="en-US" altLang="zh-CN" b="0" i="1" smtClean="0">
+                            <m:rPr>
+                              <m:sty m:val="p"/>
+                            </m:rPr>
+                            <a:rPr lang="en-US" altLang="zh-CN" i="1">
                               <a:latin typeface="Cambria Math" panose="02040503050406030204" pitchFamily="18" charset="0"/>
                             </a:rPr>
-                            <m:t>𝑃</m:t>
+                            <m:t>P</m:t>
                           </m:r>
                         </m:e>
                         <m:sub>
@@ -10143,18 +10150,10 @@
                             <a:rPr lang="en-US" altLang="zh-CN" b="0" i="1" smtClean="0">
                               <a:latin typeface="Cambria Math" panose="02040503050406030204" pitchFamily="18" charset="0"/>
                             </a:rPr>
-                            <m:t>0</m:t>
+                            <m:t>02</m:t>
                           </m:r>
                         </m:sub>
-                        <m:sup>
-                          <m:r>
-                            <a:rPr lang="en-US" altLang="zh-CN" b="0" i="1" smtClean="0">
-                              <a:latin typeface="Cambria Math" panose="02040503050406030204" pitchFamily="18" charset="0"/>
-                            </a:rPr>
-                            <m:t>02</m:t>
-                          </m:r>
-                        </m:sup>
-                      </m:sSubSup>
+                      </m:sSub>
                     </m:oMath>
                   </m:oMathPara>
                 </a14:m>
@@ -10163,7 +10162,7 @@
             </p:txBody>
           </p:sp>
         </mc:Choice>
-        <mc:Fallback xmlns="">
+        <mc:Fallback>
           <p:sp>
             <p:nvSpPr>
               <p:cNvPr id="26" name="文本框 25">
@@ -10181,7 +10180,7 @@
             <p:spPr>
               <a:xfrm>
                 <a:off x="8357028" y="3595757"/>
-                <a:ext cx="3432478" cy="312650"/>
+                <a:ext cx="3320781" cy="284180"/>
               </a:xfrm>
               <a:prstGeom prst="rect">
                 <a:avLst/>
@@ -10189,7 +10188,7 @@
               <a:blipFill>
                 <a:blip r:embed="rId9"/>
                 <a:stretch>
-                  <a:fillRect b="-5263"/>
+                  <a:fillRect b="-9615"/>
                 </a:stretch>
               </a:blipFill>
               <a:ln w="34925">
